--- a/3_background/mismatch-patterns.pptx
+++ b/3_background/mismatch-patterns.pptx
@@ -293,7 +293,7 @@
           <a:p>
             <a:fld id="{D075C6DA-3477-4574-A022-7745F91B2ECA}" type="datetimeFigureOut">
               <a:rPr lang="en-US" smtClean="0"/>
-              <a:t>4/28/2015</a:t>
+              <a:t>4/29/2015</a:t>
             </a:fld>
             <a:endParaRPr lang="en-US"/>
           </a:p>
@@ -463,7 +463,7 @@
           <a:p>
             <a:fld id="{D075C6DA-3477-4574-A022-7745F91B2ECA}" type="datetimeFigureOut">
               <a:rPr lang="en-US" smtClean="0"/>
-              <a:t>4/28/2015</a:t>
+              <a:t>4/29/2015</a:t>
             </a:fld>
             <a:endParaRPr lang="en-US"/>
           </a:p>
@@ -643,7 +643,7 @@
           <a:p>
             <a:fld id="{D075C6DA-3477-4574-A022-7745F91B2ECA}" type="datetimeFigureOut">
               <a:rPr lang="en-US" smtClean="0"/>
-              <a:t>4/28/2015</a:t>
+              <a:t>4/29/2015</a:t>
             </a:fld>
             <a:endParaRPr lang="en-US"/>
           </a:p>
@@ -813,7 +813,7 @@
           <a:p>
             <a:fld id="{D075C6DA-3477-4574-A022-7745F91B2ECA}" type="datetimeFigureOut">
               <a:rPr lang="en-US" smtClean="0"/>
-              <a:t>4/28/2015</a:t>
+              <a:t>4/29/2015</a:t>
             </a:fld>
             <a:endParaRPr lang="en-US"/>
           </a:p>
@@ -1059,7 +1059,7 @@
           <a:p>
             <a:fld id="{D075C6DA-3477-4574-A022-7745F91B2ECA}" type="datetimeFigureOut">
               <a:rPr lang="en-US" smtClean="0"/>
-              <a:t>4/28/2015</a:t>
+              <a:t>4/29/2015</a:t>
             </a:fld>
             <a:endParaRPr lang="en-US"/>
           </a:p>
@@ -1347,7 +1347,7 @@
           <a:p>
             <a:fld id="{D075C6DA-3477-4574-A022-7745F91B2ECA}" type="datetimeFigureOut">
               <a:rPr lang="en-US" smtClean="0"/>
-              <a:t>4/28/2015</a:t>
+              <a:t>4/29/2015</a:t>
             </a:fld>
             <a:endParaRPr lang="en-US"/>
           </a:p>
@@ -1769,7 +1769,7 @@
           <a:p>
             <a:fld id="{D075C6DA-3477-4574-A022-7745F91B2ECA}" type="datetimeFigureOut">
               <a:rPr lang="en-US" smtClean="0"/>
-              <a:t>4/28/2015</a:t>
+              <a:t>4/29/2015</a:t>
             </a:fld>
             <a:endParaRPr lang="en-US"/>
           </a:p>
@@ -1887,7 +1887,7 @@
           <a:p>
             <a:fld id="{D075C6DA-3477-4574-A022-7745F91B2ECA}" type="datetimeFigureOut">
               <a:rPr lang="en-US" smtClean="0"/>
-              <a:t>4/28/2015</a:t>
+              <a:t>4/29/2015</a:t>
             </a:fld>
             <a:endParaRPr lang="en-US"/>
           </a:p>
@@ -1982,7 +1982,7 @@
           <a:p>
             <a:fld id="{D075C6DA-3477-4574-A022-7745F91B2ECA}" type="datetimeFigureOut">
               <a:rPr lang="en-US" smtClean="0"/>
-              <a:t>4/28/2015</a:t>
+              <a:t>4/29/2015</a:t>
             </a:fld>
             <a:endParaRPr lang="en-US"/>
           </a:p>
@@ -2259,7 +2259,7 @@
           <a:p>
             <a:fld id="{D075C6DA-3477-4574-A022-7745F91B2ECA}" type="datetimeFigureOut">
               <a:rPr lang="en-US" smtClean="0"/>
-              <a:t>4/28/2015</a:t>
+              <a:t>4/29/2015</a:t>
             </a:fld>
             <a:endParaRPr lang="en-US"/>
           </a:p>
@@ -2512,7 +2512,7 @@
           <a:p>
             <a:fld id="{D075C6DA-3477-4574-A022-7745F91B2ECA}" type="datetimeFigureOut">
               <a:rPr lang="en-US" smtClean="0"/>
-              <a:t>4/28/2015</a:t>
+              <a:t>4/29/2015</a:t>
             </a:fld>
             <a:endParaRPr lang="en-US"/>
           </a:p>
@@ -2725,7 +2725,7 @@
           <a:p>
             <a:fld id="{D075C6DA-3477-4574-A022-7745F91B2ECA}" type="datetimeFigureOut">
               <a:rPr lang="en-US" smtClean="0"/>
-              <a:t>4/28/2015</a:t>
+              <a:t>4/29/2015</a:t>
             </a:fld>
             <a:endParaRPr lang="en-US"/>
           </a:p>
@@ -4076,11 +4076,7 @@
             </a:r>
             <a:r>
               <a:rPr lang="tr-TR" sz="1600" dirty="0" smtClean="0"/>
-              <a:t> </a:t>
-            </a:r>
-            <a:r>
-              <a:rPr lang="tr-TR" sz="1600" dirty="0" smtClean="0"/>
-              <a:t>Application</a:t>
+              <a:t> Application</a:t>
             </a:r>
             <a:endParaRPr lang="en-US" sz="1600" dirty="0"/>
           </a:p>
@@ -6291,95 +6287,6 @@
           </a:p>
         </p:txBody>
       </p:sp>
-      <p:grpSp>
-        <p:nvGrpSpPr>
-          <p:cNvPr id="15" name="Group 14"/>
-          <p:cNvGrpSpPr/>
-          <p:nvPr/>
-        </p:nvGrpSpPr>
-        <p:grpSpPr>
-          <a:xfrm>
-            <a:off x="3528517" y="2598003"/>
-            <a:ext cx="656943" cy="830997"/>
-            <a:chOff x="1287398" y="1298245"/>
-            <a:chExt cx="656943" cy="830997"/>
-          </a:xfrm>
-        </p:grpSpPr>
-        <p:sp>
-          <p:nvSpPr>
-            <p:cNvPr id="16" name="Flowchart: Decision 15"/>
-            <p:cNvSpPr/>
-            <p:nvPr/>
-          </p:nvSpPr>
-          <p:spPr>
-            <a:xfrm>
-              <a:off x="1287398" y="1412776"/>
-              <a:ext cx="656943" cy="590825"/>
-            </a:xfrm>
-            <a:prstGeom prst="flowChartDecision">
-              <a:avLst/>
-            </a:prstGeom>
-          </p:spPr>
-          <p:style>
-            <a:lnRef idx="2">
-              <a:schemeClr val="dk1"/>
-            </a:lnRef>
-            <a:fillRef idx="1">
-              <a:schemeClr val="lt1"/>
-            </a:fillRef>
-            <a:effectRef idx="0">
-              <a:schemeClr val="dk1"/>
-            </a:effectRef>
-            <a:fontRef idx="minor">
-              <a:schemeClr val="dk1"/>
-            </a:fontRef>
-          </p:style>
-          <p:txBody>
-            <a:bodyPr rtlCol="0" anchor="ctr"/>
-            <a:lstStyle/>
-            <a:p>
-              <a:pPr algn="ctr"/>
-              <a:endParaRPr lang="en-US"/>
-            </a:p>
-          </p:txBody>
-        </p:sp>
-        <p:sp>
-          <p:nvSpPr>
-            <p:cNvPr id="17" name="TextBox 16"/>
-            <p:cNvSpPr txBox="1"/>
-            <p:nvPr/>
-          </p:nvSpPr>
-          <p:spPr>
-            <a:xfrm>
-              <a:off x="1356148" y="1298245"/>
-              <a:ext cx="543739" cy="830997"/>
-            </a:xfrm>
-            <a:prstGeom prst="rect">
-              <a:avLst/>
-            </a:prstGeom>
-            <a:noFill/>
-          </p:spPr>
-          <p:txBody>
-            <a:bodyPr wrap="none" rtlCol="0">
-              <a:spAutoFit/>
-            </a:bodyPr>
-            <a:lstStyle/>
-            <a:p>
-              <a:r>
-                <a:rPr lang="tr-TR" sz="4800" b="1" dirty="0" smtClean="0">
-                  <a:latin typeface="Arial" panose="020B0604020202020204" pitchFamily="34" charset="0"/>
-                  <a:cs typeface="Arial" panose="020B0604020202020204" pitchFamily="34" charset="0"/>
-                </a:rPr>
-                <a:t>+</a:t>
-              </a:r>
-              <a:endParaRPr lang="en-US" sz="4800" b="1" dirty="0">
-                <a:latin typeface="Arial" panose="020B0604020202020204" pitchFamily="34" charset="0"/>
-                <a:cs typeface="Arial" panose="020B0604020202020204" pitchFamily="34" charset="0"/>
-              </a:endParaRPr>
-            </a:p>
-          </p:txBody>
-        </p:sp>
-      </p:grpSp>
       <p:cxnSp>
         <p:nvCxnSpPr>
           <p:cNvPr id="26" name="Straight Arrow Connector 25"/>
@@ -6892,6 +6799,95 @@
         <p:sp>
           <p:nvSpPr>
             <p:cNvPr id="43" name="TextBox 42"/>
+            <p:cNvSpPr txBox="1"/>
+            <p:nvPr/>
+          </p:nvSpPr>
+          <p:spPr>
+            <a:xfrm>
+              <a:off x="1386479" y="1409162"/>
+              <a:ext cx="458780" cy="584775"/>
+            </a:xfrm>
+            <a:prstGeom prst="rect">
+              <a:avLst/>
+            </a:prstGeom>
+            <a:noFill/>
+          </p:spPr>
+          <p:txBody>
+            <a:bodyPr wrap="none" rtlCol="0">
+              <a:spAutoFit/>
+            </a:bodyPr>
+            <a:lstStyle/>
+            <a:p>
+              <a:r>
+                <a:rPr lang="tr-TR" sz="3200" b="1" dirty="0" smtClean="0">
+                  <a:latin typeface="Arial" panose="020B0604020202020204" pitchFamily="34" charset="0"/>
+                  <a:cs typeface="Arial" panose="020B0604020202020204" pitchFamily="34" charset="0"/>
+                </a:rPr>
+                <a:t>X</a:t>
+              </a:r>
+              <a:endParaRPr lang="en-US" sz="3200" b="1" dirty="0">
+                <a:latin typeface="Arial" panose="020B0604020202020204" pitchFamily="34" charset="0"/>
+                <a:cs typeface="Arial" panose="020B0604020202020204" pitchFamily="34" charset="0"/>
+              </a:endParaRPr>
+            </a:p>
+          </p:txBody>
+        </p:sp>
+      </p:grpSp>
+      <p:grpSp>
+        <p:nvGrpSpPr>
+          <p:cNvPr id="35" name="Group 34"/>
+          <p:cNvGrpSpPr/>
+          <p:nvPr/>
+        </p:nvGrpSpPr>
+        <p:grpSpPr>
+          <a:xfrm>
+            <a:off x="3528517" y="2708920"/>
+            <a:ext cx="656943" cy="594439"/>
+            <a:chOff x="1287398" y="1409162"/>
+            <a:chExt cx="656943" cy="594439"/>
+          </a:xfrm>
+        </p:grpSpPr>
+        <p:sp>
+          <p:nvSpPr>
+            <p:cNvPr id="36" name="Flowchart: Decision 35"/>
+            <p:cNvSpPr/>
+            <p:nvPr/>
+          </p:nvSpPr>
+          <p:spPr>
+            <a:xfrm>
+              <a:off x="1287398" y="1412776"/>
+              <a:ext cx="656943" cy="590825"/>
+            </a:xfrm>
+            <a:prstGeom prst="flowChartDecision">
+              <a:avLst/>
+            </a:prstGeom>
+          </p:spPr>
+          <p:style>
+            <a:lnRef idx="2">
+              <a:schemeClr val="dk1"/>
+            </a:lnRef>
+            <a:fillRef idx="1">
+              <a:schemeClr val="lt1"/>
+            </a:fillRef>
+            <a:effectRef idx="0">
+              <a:schemeClr val="dk1"/>
+            </a:effectRef>
+            <a:fontRef idx="minor">
+              <a:schemeClr val="dk1"/>
+            </a:fontRef>
+          </p:style>
+          <p:txBody>
+            <a:bodyPr rtlCol="0" anchor="ctr"/>
+            <a:lstStyle/>
+            <a:p>
+              <a:pPr algn="ctr"/>
+              <a:endParaRPr lang="en-US"/>
+            </a:p>
+          </p:txBody>
+        </p:sp>
+        <p:sp>
+          <p:nvSpPr>
+            <p:cNvPr id="37" name="TextBox 36"/>
             <p:cNvSpPr txBox="1"/>
             <p:nvPr/>
           </p:nvSpPr>
